--- a/presentation/2DGP_3차_프로젝트_발표_202118405_지민우.pptx
+++ b/presentation/2DGP_3차_프로젝트_발표_202118405_지민우.pptx
@@ -224,7 +224,7 @@
             <a:fld id="{3ADBE061-F8DA-42BC-AC5C-854C3F151C2C}" type="datetimeFigureOut">
               <a:rPr lang="ko-KR" altLang="en-US" smtClean="0"/>
               <a:pPr/>
-              <a:t>2024-12-07</a:t>
+              <a:t>2024-12-08</a:t>
             </a:fld>
             <a:endParaRPr lang="ko-KR" altLang="en-US" dirty="0"/>
           </a:p>
@@ -538,7 +538,7 @@
           <a:p>
             <a:fld id="{ECDD8559-E00F-4929-B36E-6AED35091A08}" type="datetimeFigureOut">
               <a:rPr lang="ko-KR" altLang="en-US" smtClean="0"/>
-              <a:t>2024-12-07</a:t>
+              <a:t>2024-12-08</a:t>
             </a:fld>
             <a:endParaRPr lang="ko-KR" altLang="en-US"/>
           </a:p>
@@ -651,7 +651,7 @@
           <a:p>
             <a:fld id="{ECDD8559-E00F-4929-B36E-6AED35091A08}" type="datetimeFigureOut">
               <a:rPr lang="ko-KR" altLang="en-US" smtClean="0"/>
-              <a:t>2024-12-07</a:t>
+              <a:t>2024-12-08</a:t>
             </a:fld>
             <a:endParaRPr lang="ko-KR" altLang="en-US"/>
           </a:p>
@@ -895,7 +895,7 @@
             <a:fld id="{ECDD8559-E00F-4929-B36E-6AED35091A08}" type="datetimeFigureOut">
               <a:rPr lang="ko-KR" altLang="en-US" smtClean="0"/>
               <a:pPr/>
-              <a:t>2024-12-07</a:t>
+              <a:t>2024-12-08</a:t>
             </a:fld>
             <a:endParaRPr lang="ko-KR" altLang="en-US" dirty="0"/>
           </a:p>
@@ -1330,8 +1330,8 @@
         </p:nvSpPr>
         <p:spPr>
           <a:xfrm>
-            <a:off x="3090304" y="5144599"/>
-            <a:ext cx="6011390" cy="892552"/>
+            <a:off x="2948473" y="5144599"/>
+            <a:ext cx="6624735" cy="892552"/>
           </a:xfrm>
           <a:prstGeom prst="rect">
             <a:avLst/>
@@ -1373,7 +1373,7 @@
                 <a:latin typeface="메이플스토리" panose="02000300000000000000" pitchFamily="2" charset="-127"/>
                 <a:ea typeface="메이플스토리" panose="02000300000000000000" pitchFamily="2" charset="-127"/>
               </a:rPr>
-              <a:t>2</a:t>
+              <a:t>3</a:t>
             </a:r>
             <a:r>
               <a:rPr lang="ko-KR" altLang="en-US" sz="3200" b="1" dirty="0">
@@ -1383,7 +1383,7 @@
                 <a:latin typeface="메이플스토리" panose="02000300000000000000" pitchFamily="2" charset="-127"/>
                 <a:ea typeface="메이플스토리" panose="02000300000000000000" pitchFamily="2" charset="-127"/>
               </a:rPr>
-              <a:t>차 발표</a:t>
+              <a:t>차 최종 발표</a:t>
             </a:r>
             <a:endParaRPr lang="en-US" altLang="ko-KR" sz="3200" b="1" dirty="0">
               <a:solidFill>
@@ -4236,10 +4236,10 @@
       </p:sp>
       <p:pic>
         <p:nvPicPr>
-          <p:cNvPr id="4" name="그림 3">
+          <p:cNvPr id="3" name="그림 2">
             <a:extLst>
               <a:ext uri="{FF2B5EF4-FFF2-40B4-BE49-F238E27FC236}">
-                <a16:creationId xmlns:a16="http://schemas.microsoft.com/office/drawing/2014/main" id="{AAC7BB23-27B4-D9A6-BF7B-102B267C672F}"/>
+                <a16:creationId xmlns:a16="http://schemas.microsoft.com/office/drawing/2014/main" id="{988E1863-9E1C-AF27-B9E5-9E7FCA4B0BE2}"/>
               </a:ext>
             </a:extLst>
           </p:cNvPr>
@@ -4256,14 +4256,500 @@
         </p:blipFill>
         <p:spPr>
           <a:xfrm>
-            <a:off x="0" y="1108873"/>
-            <a:ext cx="12192000" cy="5032242"/>
+            <a:off x="267628" y="1661794"/>
+            <a:ext cx="6556032" cy="3534412"/>
           </a:xfrm>
           <a:prstGeom prst="rect">
             <a:avLst/>
           </a:prstGeom>
         </p:spPr>
       </p:pic>
+      <p:graphicFrame>
+        <p:nvGraphicFramePr>
+          <p:cNvPr id="5" name="표 4">
+            <a:extLst>
+              <a:ext uri="{FF2B5EF4-FFF2-40B4-BE49-F238E27FC236}">
+                <a16:creationId xmlns:a16="http://schemas.microsoft.com/office/drawing/2014/main" id="{A0813A52-A536-EAB8-0891-A72111087BA4}"/>
+              </a:ext>
+            </a:extLst>
+          </p:cNvPr>
+          <p:cNvGraphicFramePr>
+            <a:graphicFrameLocks noGrp="1"/>
+          </p:cNvGraphicFramePr>
+          <p:nvPr>
+            <p:extLst>
+              <p:ext uri="{D42A27DB-BD31-4B8C-83A1-F6EECF244321}">
+                <p14:modId xmlns:p14="http://schemas.microsoft.com/office/powerpoint/2010/main" val="708068371"/>
+              </p:ext>
+            </p:extLst>
+          </p:nvPr>
+        </p:nvGraphicFramePr>
+        <p:xfrm>
+          <a:off x="6823660" y="1760220"/>
+          <a:ext cx="5100712" cy="3337560"/>
+        </p:xfrm>
+        <a:graphic>
+          <a:graphicData uri="http://schemas.openxmlformats.org/drawingml/2006/table">
+            <a:tbl>
+              <a:tblPr firstRow="1" bandRow="1">
+                <a:tableStyleId>{21E4AEA4-8DFA-4A89-87EB-49C32662AFE0}</a:tableStyleId>
+              </a:tblPr>
+              <a:tblGrid>
+                <a:gridCol w="2550356">
+                  <a:extLst>
+                    <a:ext uri="{9D8B030D-6E8A-4147-A177-3AD203B41FA5}">
+                      <a16:colId xmlns:a16="http://schemas.microsoft.com/office/drawing/2014/main" val="1120250778"/>
+                    </a:ext>
+                  </a:extLst>
+                </a:gridCol>
+                <a:gridCol w="2550356">
+                  <a:extLst>
+                    <a:ext uri="{9D8B030D-6E8A-4147-A177-3AD203B41FA5}">
+                      <a16:colId xmlns:a16="http://schemas.microsoft.com/office/drawing/2014/main" val="1232830619"/>
+                    </a:ext>
+                  </a:extLst>
+                </a:gridCol>
+              </a:tblGrid>
+              <a:tr h="370840">
+                <a:tc>
+                  <a:txBody>
+                    <a:bodyPr/>
+                    <a:lstStyle/>
+                    <a:p>
+                      <a:pPr latinLnBrk="1"/>
+                      <a:r>
+                        <a:rPr lang="ko-KR" altLang="en-US" dirty="0">
+                          <a:latin typeface="메이플스토리" panose="02000300000000000000" pitchFamily="2" charset="-127"/>
+                          <a:ea typeface="메이플스토리" panose="02000300000000000000" pitchFamily="2" charset="-127"/>
+                        </a:rPr>
+                        <a:t>주</a:t>
+                      </a:r>
+                    </a:p>
+                  </a:txBody>
+                  <a:tcPr/>
+                </a:tc>
+                <a:tc>
+                  <a:txBody>
+                    <a:bodyPr/>
+                    <a:lstStyle/>
+                    <a:p>
+                      <a:pPr latinLnBrk="1"/>
+                      <a:r>
+                        <a:rPr lang="ko-KR" altLang="en-US" dirty="0" err="1">
+                          <a:latin typeface="메이플스토리" panose="02000300000000000000" pitchFamily="2" charset="-127"/>
+                          <a:ea typeface="메이플스토리" panose="02000300000000000000" pitchFamily="2" charset="-127"/>
+                        </a:rPr>
+                        <a:t>커밋</a:t>
+                      </a:r>
+                      <a:r>
+                        <a:rPr lang="ko-KR" altLang="en-US" dirty="0">
+                          <a:latin typeface="메이플스토리" panose="02000300000000000000" pitchFamily="2" charset="-127"/>
+                          <a:ea typeface="메이플스토리" panose="02000300000000000000" pitchFamily="2" charset="-127"/>
+                        </a:rPr>
+                        <a:t> 횟수</a:t>
+                      </a:r>
+                    </a:p>
+                  </a:txBody>
+                  <a:tcPr/>
+                </a:tc>
+                <a:extLst>
+                  <a:ext uri="{0D108BD9-81ED-4DB2-BD59-A6C34878D82A}">
+                    <a16:rowId xmlns:a16="http://schemas.microsoft.com/office/drawing/2014/main" val="3677763850"/>
+                  </a:ext>
+                </a:extLst>
+              </a:tr>
+              <a:tr h="370840">
+                <a:tc>
+                  <a:txBody>
+                    <a:bodyPr/>
+                    <a:lstStyle/>
+                    <a:p>
+                      <a:pPr latinLnBrk="1"/>
+                      <a:r>
+                        <a:rPr lang="en-US" altLang="ko-KR" dirty="0">
+                          <a:latin typeface="메이플스토리" panose="02000300000000000000" pitchFamily="2" charset="-127"/>
+                          <a:ea typeface="메이플스토리" panose="02000300000000000000" pitchFamily="2" charset="-127"/>
+                        </a:rPr>
+                        <a:t>Week of Oct 13</a:t>
+                      </a:r>
+                      <a:endParaRPr lang="ko-KR" altLang="en-US" dirty="0">
+                        <a:latin typeface="메이플스토리" panose="02000300000000000000" pitchFamily="2" charset="-127"/>
+                        <a:ea typeface="메이플스토리" panose="02000300000000000000" pitchFamily="2" charset="-127"/>
+                      </a:endParaRPr>
+                    </a:p>
+                  </a:txBody>
+                  <a:tcPr/>
+                </a:tc>
+                <a:tc>
+                  <a:txBody>
+                    <a:bodyPr/>
+                    <a:lstStyle/>
+                    <a:p>
+                      <a:pPr latinLnBrk="1"/>
+                      <a:r>
+                        <a:rPr lang="en-US" altLang="ko-KR" dirty="0">
+                          <a:latin typeface="메이플스토리" panose="02000300000000000000" pitchFamily="2" charset="-127"/>
+                          <a:ea typeface="메이플스토리" panose="02000300000000000000" pitchFamily="2" charset="-127"/>
+                        </a:rPr>
+                        <a:t>3</a:t>
+                      </a:r>
+                      <a:endParaRPr lang="ko-KR" altLang="en-US" dirty="0">
+                        <a:latin typeface="메이플스토리" panose="02000300000000000000" pitchFamily="2" charset="-127"/>
+                        <a:ea typeface="메이플스토리" panose="02000300000000000000" pitchFamily="2" charset="-127"/>
+                      </a:endParaRPr>
+                    </a:p>
+                  </a:txBody>
+                  <a:tcPr/>
+                </a:tc>
+                <a:extLst>
+                  <a:ext uri="{0D108BD9-81ED-4DB2-BD59-A6C34878D82A}">
+                    <a16:rowId xmlns:a16="http://schemas.microsoft.com/office/drawing/2014/main" val="1031361397"/>
+                  </a:ext>
+                </a:extLst>
+              </a:tr>
+              <a:tr h="370840">
+                <a:tc>
+                  <a:txBody>
+                    <a:bodyPr/>
+                    <a:lstStyle/>
+                    <a:p>
+                      <a:pPr latinLnBrk="1"/>
+                      <a:r>
+                        <a:rPr lang="en-US" altLang="ko-KR" dirty="0">
+                          <a:latin typeface="메이플스토리" panose="02000300000000000000" pitchFamily="2" charset="-127"/>
+                          <a:ea typeface="메이플스토리" panose="02000300000000000000" pitchFamily="2" charset="-127"/>
+                        </a:rPr>
+                        <a:t>Week of Oct 20</a:t>
+                      </a:r>
+                      <a:endParaRPr lang="ko-KR" altLang="en-US" dirty="0">
+                        <a:latin typeface="메이플스토리" panose="02000300000000000000" pitchFamily="2" charset="-127"/>
+                        <a:ea typeface="메이플스토리" panose="02000300000000000000" pitchFamily="2" charset="-127"/>
+                      </a:endParaRPr>
+                    </a:p>
+                  </a:txBody>
+                  <a:tcPr/>
+                </a:tc>
+                <a:tc>
+                  <a:txBody>
+                    <a:bodyPr/>
+                    <a:lstStyle/>
+                    <a:p>
+                      <a:pPr latinLnBrk="1"/>
+                      <a:r>
+                        <a:rPr lang="en-US" altLang="ko-KR" dirty="0">
+                          <a:latin typeface="메이플스토리" panose="02000300000000000000" pitchFamily="2" charset="-127"/>
+                          <a:ea typeface="메이플스토리" panose="02000300000000000000" pitchFamily="2" charset="-127"/>
+                        </a:rPr>
+                        <a:t>0</a:t>
+                      </a:r>
+                      <a:endParaRPr lang="ko-KR" altLang="en-US" dirty="0">
+                        <a:latin typeface="메이플스토리" panose="02000300000000000000" pitchFamily="2" charset="-127"/>
+                        <a:ea typeface="메이플스토리" panose="02000300000000000000" pitchFamily="2" charset="-127"/>
+                      </a:endParaRPr>
+                    </a:p>
+                  </a:txBody>
+                  <a:tcPr/>
+                </a:tc>
+                <a:extLst>
+                  <a:ext uri="{0D108BD9-81ED-4DB2-BD59-A6C34878D82A}">
+                    <a16:rowId xmlns:a16="http://schemas.microsoft.com/office/drawing/2014/main" val="3385889440"/>
+                  </a:ext>
+                </a:extLst>
+              </a:tr>
+              <a:tr h="370840">
+                <a:tc>
+                  <a:txBody>
+                    <a:bodyPr/>
+                    <a:lstStyle/>
+                    <a:p>
+                      <a:pPr latinLnBrk="1"/>
+                      <a:r>
+                        <a:rPr lang="en-US" altLang="ko-KR" dirty="0">
+                          <a:latin typeface="메이플스토리" panose="02000300000000000000" pitchFamily="2" charset="-127"/>
+                          <a:ea typeface="메이플스토리" panose="02000300000000000000" pitchFamily="2" charset="-127"/>
+                        </a:rPr>
+                        <a:t>Week of Oct 27</a:t>
+                      </a:r>
+                      <a:endParaRPr lang="ko-KR" altLang="en-US" dirty="0">
+                        <a:latin typeface="메이플스토리" panose="02000300000000000000" pitchFamily="2" charset="-127"/>
+                        <a:ea typeface="메이플스토리" panose="02000300000000000000" pitchFamily="2" charset="-127"/>
+                      </a:endParaRPr>
+                    </a:p>
+                  </a:txBody>
+                  <a:tcPr/>
+                </a:tc>
+                <a:tc>
+                  <a:txBody>
+                    <a:bodyPr/>
+                    <a:lstStyle/>
+                    <a:p>
+                      <a:pPr latinLnBrk="1"/>
+                      <a:r>
+                        <a:rPr lang="en-US" altLang="ko-KR" dirty="0">
+                          <a:latin typeface="메이플스토리" panose="02000300000000000000" pitchFamily="2" charset="-127"/>
+                          <a:ea typeface="메이플스토리" panose="02000300000000000000" pitchFamily="2" charset="-127"/>
+                        </a:rPr>
+                        <a:t>9</a:t>
+                      </a:r>
+                      <a:endParaRPr lang="ko-KR" altLang="en-US" dirty="0">
+                        <a:latin typeface="메이플스토리" panose="02000300000000000000" pitchFamily="2" charset="-127"/>
+                        <a:ea typeface="메이플스토리" panose="02000300000000000000" pitchFamily="2" charset="-127"/>
+                      </a:endParaRPr>
+                    </a:p>
+                  </a:txBody>
+                  <a:tcPr/>
+                </a:tc>
+                <a:extLst>
+                  <a:ext uri="{0D108BD9-81ED-4DB2-BD59-A6C34878D82A}">
+                    <a16:rowId xmlns:a16="http://schemas.microsoft.com/office/drawing/2014/main" val="260361391"/>
+                  </a:ext>
+                </a:extLst>
+              </a:tr>
+              <a:tr h="370840">
+                <a:tc>
+                  <a:txBody>
+                    <a:bodyPr/>
+                    <a:lstStyle/>
+                    <a:p>
+                      <a:pPr latinLnBrk="1"/>
+                      <a:r>
+                        <a:rPr lang="en-US" altLang="ko-KR" dirty="0">
+                          <a:latin typeface="메이플스토리" panose="02000300000000000000" pitchFamily="2" charset="-127"/>
+                          <a:ea typeface="메이플스토리" panose="02000300000000000000" pitchFamily="2" charset="-127"/>
+                        </a:rPr>
+                        <a:t>Week of Nov 3</a:t>
+                      </a:r>
+                      <a:endParaRPr lang="ko-KR" altLang="en-US" dirty="0">
+                        <a:latin typeface="메이플스토리" panose="02000300000000000000" pitchFamily="2" charset="-127"/>
+                        <a:ea typeface="메이플스토리" panose="02000300000000000000" pitchFamily="2" charset="-127"/>
+                      </a:endParaRPr>
+                    </a:p>
+                  </a:txBody>
+                  <a:tcPr/>
+                </a:tc>
+                <a:tc>
+                  <a:txBody>
+                    <a:bodyPr/>
+                    <a:lstStyle/>
+                    <a:p>
+                      <a:pPr latinLnBrk="1"/>
+                      <a:r>
+                        <a:rPr lang="en-US" altLang="ko-KR" dirty="0">
+                          <a:latin typeface="메이플스토리" panose="02000300000000000000" pitchFamily="2" charset="-127"/>
+                          <a:ea typeface="메이플스토리" panose="02000300000000000000" pitchFamily="2" charset="-127"/>
+                        </a:rPr>
+                        <a:t>3</a:t>
+                      </a:r>
+                      <a:endParaRPr lang="ko-KR" altLang="en-US" dirty="0">
+                        <a:latin typeface="메이플스토리" panose="02000300000000000000" pitchFamily="2" charset="-127"/>
+                        <a:ea typeface="메이플스토리" panose="02000300000000000000" pitchFamily="2" charset="-127"/>
+                      </a:endParaRPr>
+                    </a:p>
+                  </a:txBody>
+                  <a:tcPr/>
+                </a:tc>
+                <a:extLst>
+                  <a:ext uri="{0D108BD9-81ED-4DB2-BD59-A6C34878D82A}">
+                    <a16:rowId xmlns:a16="http://schemas.microsoft.com/office/drawing/2014/main" val="1620329643"/>
+                  </a:ext>
+                </a:extLst>
+              </a:tr>
+              <a:tr h="370840">
+                <a:tc>
+                  <a:txBody>
+                    <a:bodyPr/>
+                    <a:lstStyle/>
+                    <a:p>
+                      <a:pPr latinLnBrk="1"/>
+                      <a:r>
+                        <a:rPr lang="en-US" altLang="ko-KR" dirty="0">
+                          <a:latin typeface="메이플스토리" panose="02000300000000000000" pitchFamily="2" charset="-127"/>
+                          <a:ea typeface="메이플스토리" panose="02000300000000000000" pitchFamily="2" charset="-127"/>
+                        </a:rPr>
+                        <a:t>Week of Nov 10</a:t>
+                      </a:r>
+                    </a:p>
+                  </a:txBody>
+                  <a:tcPr/>
+                </a:tc>
+                <a:tc>
+                  <a:txBody>
+                    <a:bodyPr/>
+                    <a:lstStyle/>
+                    <a:p>
+                      <a:pPr latinLnBrk="1"/>
+                      <a:r>
+                        <a:rPr lang="en-US" altLang="ko-KR" dirty="0">
+                          <a:latin typeface="메이플스토리" panose="02000300000000000000" pitchFamily="2" charset="-127"/>
+                          <a:ea typeface="메이플스토리" panose="02000300000000000000" pitchFamily="2" charset="-127"/>
+                        </a:rPr>
+                        <a:t>4</a:t>
+                      </a:r>
+                      <a:endParaRPr lang="ko-KR" altLang="en-US" dirty="0">
+                        <a:latin typeface="메이플스토리" panose="02000300000000000000" pitchFamily="2" charset="-127"/>
+                        <a:ea typeface="메이플스토리" panose="02000300000000000000" pitchFamily="2" charset="-127"/>
+                      </a:endParaRPr>
+                    </a:p>
+                  </a:txBody>
+                  <a:tcPr/>
+                </a:tc>
+                <a:extLst>
+                  <a:ext uri="{0D108BD9-81ED-4DB2-BD59-A6C34878D82A}">
+                    <a16:rowId xmlns:a16="http://schemas.microsoft.com/office/drawing/2014/main" val="1698974730"/>
+                  </a:ext>
+                </a:extLst>
+              </a:tr>
+              <a:tr h="370840">
+                <a:tc>
+                  <a:txBody>
+                    <a:bodyPr/>
+                    <a:lstStyle/>
+                    <a:p>
+                      <a:pPr latinLnBrk="1"/>
+                      <a:r>
+                        <a:rPr lang="en-US" altLang="ko-KR" dirty="0">
+                          <a:latin typeface="메이플스토리" panose="02000300000000000000" pitchFamily="2" charset="-127"/>
+                          <a:ea typeface="메이플스토리" panose="02000300000000000000" pitchFamily="2" charset="-127"/>
+                        </a:rPr>
+                        <a:t>Week of Nov 17</a:t>
+                      </a:r>
+                      <a:endParaRPr lang="ko-KR" altLang="en-US" dirty="0">
+                        <a:latin typeface="메이플스토리" panose="02000300000000000000" pitchFamily="2" charset="-127"/>
+                        <a:ea typeface="메이플스토리" panose="02000300000000000000" pitchFamily="2" charset="-127"/>
+                      </a:endParaRPr>
+                    </a:p>
+                  </a:txBody>
+                  <a:tcPr/>
+                </a:tc>
+                <a:tc>
+                  <a:txBody>
+                    <a:bodyPr/>
+                    <a:lstStyle/>
+                    <a:p>
+                      <a:pPr latinLnBrk="1"/>
+                      <a:r>
+                        <a:rPr lang="en-US" altLang="ko-KR" dirty="0">
+                          <a:latin typeface="메이플스토리" panose="02000300000000000000" pitchFamily="2" charset="-127"/>
+                          <a:ea typeface="메이플스토리" panose="02000300000000000000" pitchFamily="2" charset="-127"/>
+                        </a:rPr>
+                        <a:t>20</a:t>
+                      </a:r>
+                      <a:endParaRPr lang="ko-KR" altLang="en-US" dirty="0">
+                        <a:latin typeface="메이플스토리" panose="02000300000000000000" pitchFamily="2" charset="-127"/>
+                        <a:ea typeface="메이플스토리" panose="02000300000000000000" pitchFamily="2" charset="-127"/>
+                      </a:endParaRPr>
+                    </a:p>
+                  </a:txBody>
+                  <a:tcPr/>
+                </a:tc>
+                <a:extLst>
+                  <a:ext uri="{0D108BD9-81ED-4DB2-BD59-A6C34878D82A}">
+                    <a16:rowId xmlns:a16="http://schemas.microsoft.com/office/drawing/2014/main" val="3478017072"/>
+                  </a:ext>
+                </a:extLst>
+              </a:tr>
+              <a:tr h="370840">
+                <a:tc>
+                  <a:txBody>
+                    <a:bodyPr/>
+                    <a:lstStyle/>
+                    <a:p>
+                      <a:pPr latinLnBrk="1"/>
+                      <a:r>
+                        <a:rPr lang="en-US" altLang="ko-KR" dirty="0">
+                          <a:latin typeface="메이플스토리" panose="02000300000000000000" pitchFamily="2" charset="-127"/>
+                          <a:ea typeface="메이플스토리" panose="02000300000000000000" pitchFamily="2" charset="-127"/>
+                        </a:rPr>
+                        <a:t>Week of Nov 24</a:t>
+                      </a:r>
+                      <a:endParaRPr lang="ko-KR" altLang="en-US" dirty="0">
+                        <a:latin typeface="메이플스토리" panose="02000300000000000000" pitchFamily="2" charset="-127"/>
+                        <a:ea typeface="메이플스토리" panose="02000300000000000000" pitchFamily="2" charset="-127"/>
+                      </a:endParaRPr>
+                    </a:p>
+                  </a:txBody>
+                  <a:tcPr/>
+                </a:tc>
+                <a:tc>
+                  <a:txBody>
+                    <a:bodyPr/>
+                    <a:lstStyle/>
+                    <a:p>
+                      <a:pPr latinLnBrk="1"/>
+                      <a:r>
+                        <a:rPr lang="en-US" altLang="ko-KR" dirty="0">
+                          <a:latin typeface="메이플스토리" panose="02000300000000000000" pitchFamily="2" charset="-127"/>
+                          <a:ea typeface="메이플스토리" panose="02000300000000000000" pitchFamily="2" charset="-127"/>
+                        </a:rPr>
+                        <a:t>2</a:t>
+                      </a:r>
+                      <a:endParaRPr lang="ko-KR" altLang="en-US" dirty="0">
+                        <a:latin typeface="메이플스토리" panose="02000300000000000000" pitchFamily="2" charset="-127"/>
+                        <a:ea typeface="메이플스토리" panose="02000300000000000000" pitchFamily="2" charset="-127"/>
+                      </a:endParaRPr>
+                    </a:p>
+                  </a:txBody>
+                  <a:tcPr/>
+                </a:tc>
+                <a:extLst>
+                  <a:ext uri="{0D108BD9-81ED-4DB2-BD59-A6C34878D82A}">
+                    <a16:rowId xmlns:a16="http://schemas.microsoft.com/office/drawing/2014/main" val="2721624384"/>
+                  </a:ext>
+                </a:extLst>
+              </a:tr>
+              <a:tr h="370840">
+                <a:tc>
+                  <a:txBody>
+                    <a:bodyPr/>
+                    <a:lstStyle/>
+                    <a:p>
+                      <a:pPr latinLnBrk="1"/>
+                      <a:r>
+                        <a:rPr lang="en-US" altLang="ko-KR" dirty="0">
+                          <a:latin typeface="메이플스토리" panose="02000300000000000000" pitchFamily="2" charset="-127"/>
+                          <a:ea typeface="메이플스토리" panose="02000300000000000000" pitchFamily="2" charset="-127"/>
+                        </a:rPr>
+                        <a:t>Week of Dec 1</a:t>
+                      </a:r>
+                      <a:endParaRPr lang="ko-KR" altLang="en-US" dirty="0">
+                        <a:latin typeface="메이플스토리" panose="02000300000000000000" pitchFamily="2" charset="-127"/>
+                        <a:ea typeface="메이플스토리" panose="02000300000000000000" pitchFamily="2" charset="-127"/>
+                      </a:endParaRPr>
+                    </a:p>
+                  </a:txBody>
+                  <a:tcPr/>
+                </a:tc>
+                <a:tc>
+                  <a:txBody>
+                    <a:bodyPr/>
+                    <a:lstStyle/>
+                    <a:p>
+                      <a:pPr latinLnBrk="1"/>
+                      <a:r>
+                        <a:rPr lang="en-US" altLang="ko-KR" dirty="0">
+                          <a:latin typeface="메이플스토리" panose="02000300000000000000" pitchFamily="2" charset="-127"/>
+                          <a:ea typeface="메이플스토리" panose="02000300000000000000" pitchFamily="2" charset="-127"/>
+                        </a:rPr>
+                        <a:t>93</a:t>
+                      </a:r>
+                      <a:endParaRPr lang="ko-KR" altLang="en-US" dirty="0">
+                        <a:latin typeface="메이플스토리" panose="02000300000000000000" pitchFamily="2" charset="-127"/>
+                        <a:ea typeface="메이플스토리" panose="02000300000000000000" pitchFamily="2" charset="-127"/>
+                      </a:endParaRPr>
+                    </a:p>
+                  </a:txBody>
+                  <a:tcPr/>
+                </a:tc>
+                <a:extLst>
+                  <a:ext uri="{0D108BD9-81ED-4DB2-BD59-A6C34878D82A}">
+                    <a16:rowId xmlns:a16="http://schemas.microsoft.com/office/drawing/2014/main" val="35892611"/>
+                  </a:ext>
+                </a:extLst>
+              </a:tr>
+            </a:tbl>
+          </a:graphicData>
+        </a:graphic>
+      </p:graphicFrame>
     </p:spTree>
     <p:extLst>
       <p:ext uri="{BB962C8B-B14F-4D97-AF65-F5344CB8AC3E}">
